--- a/BE project/review 2.pptx
+++ b/BE project/review 2.pptx
@@ -20,18 +20,18 @@
   <p:notesSz cx="6858000" cy="9144000"/>
   <p:embeddedFontLst>
     <p:embeddedFont>
-      <p:font typeface="Century Gothic" pitchFamily="34" charset="0"/>
+      <p:font typeface="Algerian" panose="04020705040A02060702" pitchFamily="82" charset="0"/>
       <p:regular r:id="rId12"/>
-      <p:bold r:id="rId13"/>
-      <p:italic r:id="rId14"/>
-      <p:boldItalic r:id="rId15"/>
     </p:embeddedFont>
     <p:embeddedFont>
-      <p:font typeface="Algerian" pitchFamily="82" charset="0"/>
-      <p:regular r:id="rId16"/>
+      <p:font typeface="Century Gothic" panose="020B0502020202020204" pitchFamily="34" charset="0"/>
+      <p:regular r:id="rId13"/>
+      <p:bold r:id="rId14"/>
+      <p:italic r:id="rId15"/>
+      <p:boldItalic r:id="rId16"/>
     </p:embeddedFont>
     <p:embeddedFont>
-      <p:font typeface="Palatino Linotype" pitchFamily="18" charset="0"/>
+      <p:font typeface="Palatino Linotype" panose="02040502050505030304" pitchFamily="18" charset="0"/>
       <p:regular r:id="rId17"/>
       <p:bold r:id="rId18"/>
       <p:italic r:id="rId19"/>
@@ -135,7 +135,7 @@
   </p:defaultTextStyle>
   <p:extLst>
     <p:ext uri="{EFAFB233-063F-42B5-8137-9DF3F51BA10A}">
-      <p15:sldGuideLst xmlns="" xmlns:p15="http://schemas.microsoft.com/office/powerpoint/2012/main">
+      <p15:sldGuideLst xmlns:p15="http://schemas.microsoft.com/office/powerpoint/2012/main">
         <p15:guide id="1" orient="horz" pos="2160">
           <p15:clr>
             <a:srgbClr val="A4A3A4"/>
@@ -199,7 +199,7 @@
           </a:lstStyle>
           <a:p>
             <a:r>
-              <a:rPr lang="en-US" smtClean="0"/>
+              <a:rPr lang="en-US"/>
               <a:t>Click to edit Master title style</a:t>
             </a:r>
             <a:endParaRPr lang="en-US" dirty="0"/>
@@ -320,7 +320,7 @@
           </a:lstStyle>
           <a:p>
             <a:r>
-              <a:rPr lang="en-US" smtClean="0"/>
+              <a:rPr lang="en-US"/>
               <a:t>Click to edit Master subtitle style</a:t>
             </a:r>
             <a:endParaRPr lang="en-US" dirty="0"/>
@@ -345,7 +345,7 @@
             <a:fld id="{C2CA34DB-7C42-4DA2-9325-7B5EF80AF00C}" type="datetimeFigureOut">
               <a:rPr lang="en-US" smtClean="0"/>
               <a:pPr/>
-              <a:t>17/10/2018</a:t>
+              <a:t>12/20/2018</a:t>
             </a:fld>
             <a:endParaRPr lang="en-US"/>
           </a:p>
@@ -435,7 +435,7 @@
           <a:lstStyle/>
           <a:p>
             <a:r>
-              <a:rPr lang="en-US" smtClean="0"/>
+              <a:rPr lang="en-US"/>
               <a:t>Click to edit Master title style</a:t>
             </a:r>
             <a:endParaRPr lang="en-US" dirty="0"/>
@@ -459,38 +459,37 @@
           <a:p>
             <a:pPr lvl="0"/>
             <a:r>
-              <a:rPr lang="en-US" smtClean="0"/>
+              <a:rPr lang="en-US"/>
               <a:t>Click to edit Master text styles</a:t>
             </a:r>
           </a:p>
           <a:p>
             <a:pPr lvl="1"/>
             <a:r>
-              <a:rPr lang="en-US" smtClean="0"/>
+              <a:rPr lang="en-US"/>
               <a:t>Second level</a:t>
             </a:r>
           </a:p>
           <a:p>
             <a:pPr lvl="2"/>
             <a:r>
-              <a:rPr lang="en-US" smtClean="0"/>
+              <a:rPr lang="en-US"/>
               <a:t>Third level</a:t>
             </a:r>
           </a:p>
           <a:p>
             <a:pPr lvl="3"/>
             <a:r>
-              <a:rPr lang="en-US" smtClean="0"/>
+              <a:rPr lang="en-US"/>
               <a:t>Fourth level</a:t>
             </a:r>
           </a:p>
           <a:p>
             <a:pPr lvl="4"/>
             <a:r>
-              <a:rPr lang="en-US" smtClean="0"/>
+              <a:rPr lang="en-US"/>
               <a:t>Fifth level</a:t>
             </a:r>
-            <a:endParaRPr lang="en-US"/>
           </a:p>
         </p:txBody>
       </p:sp>
@@ -512,7 +511,7 @@
             <a:fld id="{C2CA34DB-7C42-4DA2-9325-7B5EF80AF00C}" type="datetimeFigureOut">
               <a:rPr lang="en-US" smtClean="0"/>
               <a:pPr/>
-              <a:t>17/10/2018</a:t>
+              <a:t>12/20/2018</a:t>
             </a:fld>
             <a:endParaRPr lang="en-US"/>
           </a:p>
@@ -607,7 +606,7 @@
           <a:lstStyle/>
           <a:p>
             <a:r>
-              <a:rPr lang="en-US" smtClean="0"/>
+              <a:rPr lang="en-US"/>
               <a:t>Click to edit Master title style</a:t>
             </a:r>
             <a:endParaRPr lang="en-US" dirty="0"/>
@@ -636,38 +635,37 @@
           <a:p>
             <a:pPr lvl="0"/>
             <a:r>
-              <a:rPr lang="en-US" smtClean="0"/>
+              <a:rPr lang="en-US"/>
               <a:t>Click to edit Master text styles</a:t>
             </a:r>
           </a:p>
           <a:p>
             <a:pPr lvl="1"/>
             <a:r>
-              <a:rPr lang="en-US" smtClean="0"/>
+              <a:rPr lang="en-US"/>
               <a:t>Second level</a:t>
             </a:r>
           </a:p>
           <a:p>
             <a:pPr lvl="2"/>
             <a:r>
-              <a:rPr lang="en-US" smtClean="0"/>
+              <a:rPr lang="en-US"/>
               <a:t>Third level</a:t>
             </a:r>
           </a:p>
           <a:p>
             <a:pPr lvl="3"/>
             <a:r>
-              <a:rPr lang="en-US" smtClean="0"/>
+              <a:rPr lang="en-US"/>
               <a:t>Fourth level</a:t>
             </a:r>
           </a:p>
           <a:p>
             <a:pPr lvl="4"/>
             <a:r>
-              <a:rPr lang="en-US" smtClean="0"/>
+              <a:rPr lang="en-US"/>
               <a:t>Fifth level</a:t>
             </a:r>
-            <a:endParaRPr lang="en-US"/>
           </a:p>
         </p:txBody>
       </p:sp>
@@ -689,7 +687,7 @@
             <a:fld id="{C2CA34DB-7C42-4DA2-9325-7B5EF80AF00C}" type="datetimeFigureOut">
               <a:rPr lang="en-US" smtClean="0"/>
               <a:pPr/>
-              <a:t>17/10/2018</a:t>
+              <a:t>12/20/2018</a:t>
             </a:fld>
             <a:endParaRPr lang="en-US"/>
           </a:p>
@@ -779,7 +777,7 @@
           <a:lstStyle/>
           <a:p>
             <a:r>
-              <a:rPr lang="en-US" smtClean="0"/>
+              <a:rPr lang="en-US"/>
               <a:t>Click to edit Master title style</a:t>
             </a:r>
             <a:endParaRPr lang="en-US" dirty="0"/>
@@ -821,38 +819,38 @@
           <a:p>
             <a:pPr lvl="0"/>
             <a:r>
-              <a:rPr lang="en-US" smtClean="0"/>
+              <a:rPr lang="en-US"/>
               <a:t>Click to edit Master text styles</a:t>
             </a:r>
           </a:p>
           <a:p>
             <a:pPr lvl="1"/>
             <a:r>
-              <a:rPr lang="en-US" smtClean="0"/>
+              <a:rPr lang="en-US"/>
               <a:t>Second level</a:t>
             </a:r>
           </a:p>
           <a:p>
             <a:pPr lvl="2"/>
             <a:r>
-              <a:rPr lang="en-US" smtClean="0"/>
+              <a:rPr lang="en-US"/>
               <a:t>Third level</a:t>
             </a:r>
           </a:p>
           <a:p>
             <a:pPr lvl="3"/>
             <a:r>
-              <a:rPr lang="en-US" smtClean="0"/>
+              <a:rPr lang="en-US"/>
               <a:t>Fourth level</a:t>
             </a:r>
           </a:p>
           <a:p>
             <a:pPr lvl="4"/>
             <a:r>
-              <a:rPr lang="en-US" smtClean="0"/>
+              <a:rPr lang="en-US"/>
               <a:t>Fifth level</a:t>
             </a:r>
-            <a:endParaRPr lang="en-US" dirty="0" smtClean="0"/>
+            <a:endParaRPr lang="en-US" dirty="0"/>
           </a:p>
         </p:txBody>
       </p:sp>
@@ -874,7 +872,7 @@
             <a:fld id="{C2CA34DB-7C42-4DA2-9325-7B5EF80AF00C}" type="datetimeFigureOut">
               <a:rPr lang="en-US" smtClean="0"/>
               <a:pPr/>
-              <a:t>17/10/2018</a:t>
+              <a:t>12/20/2018</a:t>
             </a:fld>
             <a:endParaRPr lang="en-US"/>
           </a:p>
@@ -994,7 +992,7 @@
           </a:lstStyle>
           <a:p>
             <a:r>
-              <a:rPr lang="en-US" smtClean="0"/>
+              <a:rPr lang="en-US"/>
               <a:t>Click to edit Master title style</a:t>
             </a:r>
             <a:endParaRPr lang="en-US" dirty="0"/>
@@ -1114,7 +1112,7 @@
           <a:p>
             <a:pPr lvl="0"/>
             <a:r>
-              <a:rPr lang="en-US" smtClean="0"/>
+              <a:rPr lang="en-US"/>
               <a:t>Click to edit Master text styles</a:t>
             </a:r>
           </a:p>
@@ -1138,7 +1136,7 @@
             <a:fld id="{C2CA34DB-7C42-4DA2-9325-7B5EF80AF00C}" type="datetimeFigureOut">
               <a:rPr lang="en-US" smtClean="0"/>
               <a:pPr/>
-              <a:t>17/10/2018</a:t>
+              <a:t>12/20/2018</a:t>
             </a:fld>
             <a:endParaRPr lang="en-US"/>
           </a:p>
@@ -1378,10 +1376,9 @@
           <a:lstStyle/>
           <a:p>
             <a:r>
-              <a:rPr lang="en-US" smtClean="0"/>
+              <a:rPr lang="en-US"/>
               <a:t>Click to edit Master title style</a:t>
             </a:r>
-            <a:endParaRPr lang="en-US"/>
           </a:p>
         </p:txBody>
       </p:sp>
@@ -1435,38 +1432,38 @@
           <a:p>
             <a:pPr lvl="0"/>
             <a:r>
-              <a:rPr lang="en-US" smtClean="0"/>
+              <a:rPr lang="en-US"/>
               <a:t>Click to edit Master text styles</a:t>
             </a:r>
           </a:p>
           <a:p>
             <a:pPr lvl="1"/>
             <a:r>
-              <a:rPr lang="en-US" smtClean="0"/>
+              <a:rPr lang="en-US"/>
               <a:t>Second level</a:t>
             </a:r>
           </a:p>
           <a:p>
             <a:pPr lvl="2"/>
             <a:r>
-              <a:rPr lang="en-US" smtClean="0"/>
+              <a:rPr lang="en-US"/>
               <a:t>Third level</a:t>
             </a:r>
           </a:p>
           <a:p>
             <a:pPr lvl="3"/>
             <a:r>
-              <a:rPr lang="en-US" smtClean="0"/>
+              <a:rPr lang="en-US"/>
               <a:t>Fourth level</a:t>
             </a:r>
           </a:p>
           <a:p>
             <a:pPr lvl="4"/>
             <a:r>
-              <a:rPr lang="en-US" smtClean="0"/>
+              <a:rPr lang="en-US"/>
               <a:t>Fifth level</a:t>
             </a:r>
-            <a:endParaRPr lang="en-US" dirty="0" smtClean="0"/>
+            <a:endParaRPr lang="en-US" dirty="0"/>
           </a:p>
         </p:txBody>
       </p:sp>
@@ -1488,7 +1485,7 @@
             <a:fld id="{C2CA34DB-7C42-4DA2-9325-7B5EF80AF00C}" type="datetimeFigureOut">
               <a:rPr lang="en-US" smtClean="0"/>
               <a:pPr/>
-              <a:t>17/10/2018</a:t>
+              <a:t>12/20/2018</a:t>
             </a:fld>
             <a:endParaRPr lang="en-US"/>
           </a:p>
@@ -1559,38 +1556,37 @@
           <a:p>
             <a:pPr lvl="0"/>
             <a:r>
-              <a:rPr lang="en-US" smtClean="0"/>
+              <a:rPr lang="en-US"/>
               <a:t>Click to edit Master text styles</a:t>
             </a:r>
           </a:p>
           <a:p>
             <a:pPr lvl="1"/>
             <a:r>
-              <a:rPr lang="en-US" smtClean="0"/>
+              <a:rPr lang="en-US"/>
               <a:t>Second level</a:t>
             </a:r>
           </a:p>
           <a:p>
             <a:pPr lvl="2"/>
             <a:r>
-              <a:rPr lang="en-US" smtClean="0"/>
+              <a:rPr lang="en-US"/>
               <a:t>Third level</a:t>
             </a:r>
           </a:p>
           <a:p>
             <a:pPr lvl="3"/>
             <a:r>
-              <a:rPr lang="en-US" smtClean="0"/>
+              <a:rPr lang="en-US"/>
               <a:t>Fourth level</a:t>
             </a:r>
           </a:p>
           <a:p>
             <a:pPr lvl="4"/>
             <a:r>
-              <a:rPr lang="en-US" smtClean="0"/>
+              <a:rPr lang="en-US"/>
               <a:t>Fifth level</a:t>
             </a:r>
-            <a:endParaRPr lang="en-US"/>
           </a:p>
         </p:txBody>
       </p:sp>
@@ -1639,10 +1635,9 @@
           </a:lstStyle>
           <a:p>
             <a:r>
-              <a:rPr lang="en-US" smtClean="0"/>
+              <a:rPr lang="en-US"/>
               <a:t>Click to edit Master title style</a:t>
             </a:r>
-            <a:endParaRPr lang="en-US"/>
           </a:p>
         </p:txBody>
       </p:sp>
@@ -1707,7 +1702,7 @@
           <a:p>
             <a:pPr lvl="0"/>
             <a:r>
-              <a:rPr lang="en-US" smtClean="0"/>
+              <a:rPr lang="en-US"/>
               <a:t>Click to edit Master text styles</a:t>
             </a:r>
           </a:p>
@@ -1774,7 +1769,7 @@
           <a:p>
             <a:pPr lvl="0"/>
             <a:r>
-              <a:rPr lang="en-US" smtClean="0"/>
+              <a:rPr lang="en-US"/>
               <a:t>Click to edit Master text styles</a:t>
             </a:r>
           </a:p>
@@ -1798,7 +1793,7 @@
             <a:fld id="{C2CA34DB-7C42-4DA2-9325-7B5EF80AF00C}" type="datetimeFigureOut">
               <a:rPr lang="en-US" smtClean="0"/>
               <a:pPr/>
-              <a:t>17/10/2018</a:t>
+              <a:t>12/20/2018</a:t>
             </a:fld>
             <a:endParaRPr lang="en-US"/>
           </a:p>
@@ -1869,35 +1864,35 @@
           <a:p>
             <a:pPr lvl="0"/>
             <a:r>
-              <a:rPr lang="en-US" smtClean="0"/>
+              <a:rPr lang="en-US"/>
               <a:t>Click to edit Master text styles</a:t>
             </a:r>
           </a:p>
           <a:p>
             <a:pPr lvl="1"/>
             <a:r>
-              <a:rPr lang="en-US" smtClean="0"/>
+              <a:rPr lang="en-US"/>
               <a:t>Second level</a:t>
             </a:r>
           </a:p>
           <a:p>
             <a:pPr lvl="2"/>
             <a:r>
-              <a:rPr lang="en-US" smtClean="0"/>
+              <a:rPr lang="en-US"/>
               <a:t>Third level</a:t>
             </a:r>
           </a:p>
           <a:p>
             <a:pPr lvl="3"/>
             <a:r>
-              <a:rPr lang="en-US" smtClean="0"/>
+              <a:rPr lang="en-US"/>
               <a:t>Fourth level</a:t>
             </a:r>
           </a:p>
           <a:p>
             <a:pPr lvl="4"/>
             <a:r>
-              <a:rPr lang="en-US" smtClean="0"/>
+              <a:rPr lang="en-US"/>
               <a:t>Fifth level</a:t>
             </a:r>
             <a:endParaRPr lang="en-US" dirty="0"/>
@@ -1926,35 +1921,35 @@
           <a:p>
             <a:pPr lvl="0"/>
             <a:r>
-              <a:rPr lang="en-US" smtClean="0"/>
+              <a:rPr lang="en-US"/>
               <a:t>Click to edit Master text styles</a:t>
             </a:r>
           </a:p>
           <a:p>
             <a:pPr lvl="1"/>
             <a:r>
-              <a:rPr lang="en-US" smtClean="0"/>
+              <a:rPr lang="en-US"/>
               <a:t>Second level</a:t>
             </a:r>
           </a:p>
           <a:p>
             <a:pPr lvl="2"/>
             <a:r>
-              <a:rPr lang="en-US" smtClean="0"/>
+              <a:rPr lang="en-US"/>
               <a:t>Third level</a:t>
             </a:r>
           </a:p>
           <a:p>
             <a:pPr lvl="3"/>
             <a:r>
-              <a:rPr lang="en-US" smtClean="0"/>
+              <a:rPr lang="en-US"/>
               <a:t>Fourth level</a:t>
             </a:r>
           </a:p>
           <a:p>
             <a:pPr lvl="4"/>
             <a:r>
-              <a:rPr lang="en-US" smtClean="0"/>
+              <a:rPr lang="en-US"/>
               <a:t>Fifth level</a:t>
             </a:r>
             <a:endParaRPr lang="en-US" dirty="0"/>
@@ -2002,7 +1997,7 @@
           <a:lstStyle/>
           <a:p>
             <a:r>
-              <a:rPr lang="en-US" smtClean="0"/>
+              <a:rPr lang="en-US"/>
               <a:t>Click to edit Master title style</a:t>
             </a:r>
             <a:endParaRPr lang="en-US" dirty="0"/>
@@ -2027,7 +2022,7 @@
             <a:fld id="{C2CA34DB-7C42-4DA2-9325-7B5EF80AF00C}" type="datetimeFigureOut">
               <a:rPr lang="en-US" smtClean="0"/>
               <a:pPr/>
-              <a:t>17/10/2018</a:t>
+              <a:t>12/20/2018</a:t>
             </a:fld>
             <a:endParaRPr lang="en-US"/>
           </a:p>
@@ -2119,7 +2114,7 @@
             <a:fld id="{C2CA34DB-7C42-4DA2-9325-7B5EF80AF00C}" type="datetimeFigureOut">
               <a:rPr lang="en-US" smtClean="0"/>
               <a:pPr/>
-              <a:t>17/10/2018</a:t>
+              <a:t>12/20/2018</a:t>
             </a:fld>
             <a:endParaRPr lang="en-US"/>
           </a:p>
@@ -2229,7 +2224,7 @@
           </a:lstStyle>
           <a:p>
             <a:r>
-              <a:rPr lang="en-US" smtClean="0"/>
+              <a:rPr lang="en-US"/>
               <a:t>Click to edit Master title style</a:t>
             </a:r>
             <a:endParaRPr lang="en-US" dirty="0"/>
@@ -2286,35 +2281,35 @@
           <a:p>
             <a:pPr lvl="0"/>
             <a:r>
-              <a:rPr lang="en-US" smtClean="0"/>
+              <a:rPr lang="en-US"/>
               <a:t>Click to edit Master text styles</a:t>
             </a:r>
           </a:p>
           <a:p>
             <a:pPr lvl="1"/>
             <a:r>
-              <a:rPr lang="en-US" smtClean="0"/>
+              <a:rPr lang="en-US"/>
               <a:t>Second level</a:t>
             </a:r>
           </a:p>
           <a:p>
             <a:pPr lvl="2"/>
             <a:r>
-              <a:rPr lang="en-US" smtClean="0"/>
+              <a:rPr lang="en-US"/>
               <a:t>Third level</a:t>
             </a:r>
           </a:p>
           <a:p>
             <a:pPr lvl="3"/>
             <a:r>
-              <a:rPr lang="en-US" smtClean="0"/>
+              <a:rPr lang="en-US"/>
               <a:t>Fourth level</a:t>
             </a:r>
           </a:p>
           <a:p>
             <a:pPr lvl="4"/>
             <a:r>
-              <a:rPr lang="en-US" smtClean="0"/>
+              <a:rPr lang="en-US"/>
               <a:t>Fifth level</a:t>
             </a:r>
             <a:endParaRPr lang="en-US" dirty="0"/>
@@ -2385,7 +2380,7 @@
           <a:p>
             <a:pPr lvl="0"/>
             <a:r>
-              <a:rPr lang="en-US" smtClean="0"/>
+              <a:rPr lang="en-US"/>
               <a:t>Click to edit Master text styles</a:t>
             </a:r>
           </a:p>
@@ -2409,7 +2404,7 @@
             <a:fld id="{C2CA34DB-7C42-4DA2-9325-7B5EF80AF00C}" type="datetimeFigureOut">
               <a:rPr lang="en-US" smtClean="0"/>
               <a:pPr/>
-              <a:t>17/10/2018</a:t>
+              <a:t>12/20/2018</a:t>
             </a:fld>
             <a:endParaRPr lang="en-US"/>
           </a:p>
@@ -2511,7 +2506,7 @@
           </a:lstStyle>
           <a:p>
             <a:r>
-              <a:rPr lang="en-US" smtClean="0"/>
+              <a:rPr lang="en-US"/>
               <a:t>Click to edit Master title style</a:t>
             </a:r>
             <a:endParaRPr lang="en-US" dirty="0"/>
@@ -2588,7 +2583,7 @@
           </a:lstStyle>
           <a:p>
             <a:r>
-              <a:rPr lang="en-US" smtClean="0"/>
+              <a:rPr lang="en-US"/>
               <a:t>Click icon to add picture</a:t>
             </a:r>
             <a:endParaRPr lang="en-US" dirty="0"/>
@@ -2656,7 +2651,7 @@
           <a:p>
             <a:pPr lvl="0"/>
             <a:r>
-              <a:rPr lang="en-US" smtClean="0"/>
+              <a:rPr lang="en-US"/>
               <a:t>Click to edit Master text styles</a:t>
             </a:r>
           </a:p>
@@ -2680,7 +2675,7 @@
             <a:fld id="{C2CA34DB-7C42-4DA2-9325-7B5EF80AF00C}" type="datetimeFigureOut">
               <a:rPr lang="en-US" smtClean="0"/>
               <a:pPr/>
-              <a:t>17/10/2018</a:t>
+              <a:t>12/20/2018</a:t>
             </a:fld>
             <a:endParaRPr lang="en-US"/>
           </a:p>
@@ -2785,7 +2780,7 @@
           <a:lstStyle/>
           <a:p>
             <a:r>
-              <a:rPr lang="en-US" smtClean="0"/>
+              <a:rPr lang="en-US"/>
               <a:t>Click to edit Master title style</a:t>
             </a:r>
             <a:endParaRPr lang="en-US" dirty="0"/>
@@ -2819,38 +2814,38 @@
           <a:p>
             <a:pPr lvl="0"/>
             <a:r>
-              <a:rPr lang="en-US" smtClean="0"/>
+              <a:rPr lang="en-US"/>
               <a:t>Click to edit Master text styles</a:t>
             </a:r>
           </a:p>
           <a:p>
             <a:pPr lvl="1"/>
             <a:r>
-              <a:rPr lang="en-US" smtClean="0"/>
+              <a:rPr lang="en-US"/>
               <a:t>Second level</a:t>
             </a:r>
           </a:p>
           <a:p>
             <a:pPr lvl="2"/>
             <a:r>
-              <a:rPr lang="en-US" smtClean="0"/>
+              <a:rPr lang="en-US"/>
               <a:t>Third level</a:t>
             </a:r>
           </a:p>
           <a:p>
             <a:pPr lvl="3"/>
             <a:r>
-              <a:rPr lang="en-US" smtClean="0"/>
+              <a:rPr lang="en-US"/>
               <a:t>Fourth level</a:t>
             </a:r>
           </a:p>
           <a:p>
             <a:pPr lvl="4"/>
             <a:r>
-              <a:rPr lang="en-US" smtClean="0"/>
+              <a:rPr lang="en-US"/>
               <a:t>Fifth level</a:t>
             </a:r>
-            <a:endParaRPr lang="en-US" dirty="0" smtClean="0"/>
+            <a:endParaRPr lang="en-US" dirty="0"/>
           </a:p>
         </p:txBody>
       </p:sp>
@@ -2892,7 +2887,7 @@
             <a:fld id="{C2CA34DB-7C42-4DA2-9325-7B5EF80AF00C}" type="datetimeFigureOut">
               <a:rPr lang="en-US" smtClean="0"/>
               <a:pPr/>
-              <a:t>17/10/2018</a:t>
+              <a:t>12/20/2018</a:t>
             </a:fld>
             <a:endParaRPr lang="en-US"/>
           </a:p>
@@ -3428,16 +3423,12 @@
           <a:p>
             <a:pPr algn="ctr"/>
             <a:r>
-              <a:rPr lang="en-US" dirty="0" smtClean="0">
+              <a:rPr lang="en-US" dirty="0">
                 <a:latin typeface="Times New Roman" pitchFamily="18" charset="0"/>
                 <a:cs typeface="Times New Roman" pitchFamily="18" charset="0"/>
               </a:rPr>
               <a:t>Index</a:t>
             </a:r>
-            <a:endParaRPr lang="en-US" dirty="0">
-              <a:latin typeface="Times New Roman" pitchFamily="18" charset="0"/>
-              <a:cs typeface="Times New Roman" pitchFamily="18" charset="0"/>
-            </a:endParaRPr>
           </a:p>
         </p:txBody>
       </p:sp>
@@ -3459,7 +3450,7 @@
           <a:lstStyle/>
           <a:p>
             <a:r>
-              <a:rPr lang="en-IN" sz="3000" dirty="0" smtClean="0">
+              <a:rPr lang="en-IN" sz="3000" dirty="0">
                 <a:solidFill>
                   <a:schemeClr val="tx1"/>
                 </a:solidFill>
@@ -3471,7 +3462,7 @@
           </a:p>
           <a:p>
             <a:r>
-              <a:rPr lang="en-IN" sz="3000" dirty="0" smtClean="0">
+              <a:rPr lang="en-IN" sz="3000" dirty="0">
                 <a:solidFill>
                   <a:schemeClr val="tx1"/>
                 </a:solidFill>
@@ -3483,7 +3474,7 @@
           </a:p>
           <a:p>
             <a:r>
-              <a:rPr lang="en-IN" sz="3000" dirty="0" smtClean="0">
+              <a:rPr lang="en-IN" sz="3000" dirty="0">
                 <a:solidFill>
                   <a:schemeClr val="tx1"/>
                 </a:solidFill>
@@ -3495,7 +3486,7 @@
           </a:p>
           <a:p>
             <a:r>
-              <a:rPr lang="en-IN" sz="3000" dirty="0" smtClean="0">
+              <a:rPr lang="en-IN" sz="3000" dirty="0">
                 <a:solidFill>
                   <a:schemeClr val="tx1"/>
                 </a:solidFill>
@@ -3507,7 +3498,7 @@
           </a:p>
           <a:p>
             <a:r>
-              <a:rPr lang="en-IN" sz="3000" dirty="0" smtClean="0">
+              <a:rPr lang="en-IN" sz="3000" dirty="0">
                 <a:solidFill>
                   <a:schemeClr val="tx1"/>
                 </a:solidFill>
@@ -3519,7 +3510,7 @@
           </a:p>
           <a:p>
             <a:r>
-              <a:rPr lang="en-IN" sz="3000" dirty="0" smtClean="0">
+              <a:rPr lang="en-IN" sz="3000" dirty="0">
                 <a:solidFill>
                   <a:schemeClr val="tx1"/>
                 </a:solidFill>
@@ -3528,17 +3519,10 @@
               </a:rPr>
               <a:t>Scope</a:t>
             </a:r>
-            <a:endParaRPr lang="en-IN" sz="3000" dirty="0">
-              <a:solidFill>
-                <a:schemeClr val="tx1"/>
-              </a:solidFill>
-              <a:latin typeface="Times New Roman" pitchFamily="18" charset="0"/>
-              <a:cs typeface="Times New Roman" pitchFamily="18" charset="0"/>
-            </a:endParaRPr>
-          </a:p>
-          <a:p>
-            <a:r>
-              <a:rPr lang="en-IN" sz="3000" dirty="0" smtClean="0">
+          </a:p>
+          <a:p>
+            <a:r>
+              <a:rPr lang="en-IN" sz="3000" dirty="0">
                 <a:solidFill>
                   <a:schemeClr val="tx1"/>
                 </a:solidFill>
@@ -3555,13 +3539,6 @@
   <p:clrMapOvr>
     <a:masterClrMapping/>
   </p:clrMapOvr>
-  <p:timing>
-    <p:tnLst>
-      <p:par>
-        <p:cTn id="1" dur="indefinite" restart="never" nodeType="tmRoot"/>
-      </p:par>
-    </p:tnLst>
-  </p:timing>
 </p:sld>
 </file>
 
@@ -3605,7 +3582,7 @@
           <a:lstStyle/>
           <a:p>
             <a:r>
-              <a:rPr lang="en-IN" sz="7200" dirty="0" smtClean="0">
+              <a:rPr lang="en-IN" sz="7200" dirty="0">
                 <a:solidFill>
                   <a:srgbClr val="7030A0"/>
                 </a:solidFill>
@@ -3614,7 +3591,7 @@
               <a:t>Thank</a:t>
             </a:r>
             <a:r>
-              <a:rPr lang="en-IN" sz="7200" dirty="0" smtClean="0">
+              <a:rPr lang="en-IN" sz="7200" dirty="0">
                 <a:solidFill>
                   <a:schemeClr val="accent1">
                     <a:lumMod val="60000"/>
@@ -3626,7 +3603,7 @@
               <a:t> </a:t>
             </a:r>
             <a:r>
-              <a:rPr lang="en-IN" sz="7200" dirty="0" smtClean="0">
+              <a:rPr lang="en-IN" sz="7200" dirty="0">
                 <a:solidFill>
                   <a:srgbClr val="7030A0"/>
                 </a:solidFill>
@@ -3634,12 +3611,6 @@
               </a:rPr>
               <a:t>You!</a:t>
             </a:r>
-            <a:endParaRPr lang="en-IN" sz="7200" dirty="0">
-              <a:solidFill>
-                <a:srgbClr val="7030A0"/>
-              </a:solidFill>
-              <a:latin typeface="Algerian" panose="04020705040A02060702" pitchFamily="82" charset="0"/>
-            </a:endParaRPr>
           </a:p>
         </p:txBody>
       </p:sp>
@@ -3653,13 +3624,6 @@
   <p:clrMapOvr>
     <a:masterClrMapping/>
   </p:clrMapOvr>
-  <p:timing>
-    <p:tnLst>
-      <p:par>
-        <p:cTn id="1" dur="indefinite" restart="never" nodeType="tmRoot"/>
-      </p:par>
-    </p:tnLst>
-  </p:timing>
 </p:sld>
 </file>
 
@@ -3697,16 +3661,12 @@
           <a:p>
             <a:pPr algn="ctr"/>
             <a:r>
-              <a:rPr lang="en-US" dirty="0" smtClean="0">
+              <a:rPr lang="en-US" dirty="0">
                 <a:latin typeface="Times New Roman" pitchFamily="18" charset="0"/>
                 <a:cs typeface="Times New Roman" pitchFamily="18" charset="0"/>
               </a:rPr>
               <a:t>Problem Statement</a:t>
             </a:r>
-            <a:endParaRPr lang="en-US" dirty="0">
-              <a:latin typeface="Times New Roman" pitchFamily="18" charset="0"/>
-              <a:cs typeface="Times New Roman" pitchFamily="18" charset="0"/>
-            </a:endParaRPr>
           </a:p>
         </p:txBody>
       </p:sp>
@@ -3826,13 +3786,6 @@
   <p:clrMapOvr>
     <a:masterClrMapping/>
   </p:clrMapOvr>
-  <p:timing>
-    <p:tnLst>
-      <p:par>
-        <p:cTn id="1" dur="indefinite" restart="never" nodeType="tmRoot"/>
-      </p:par>
-    </p:tnLst>
-  </p:timing>
 </p:sld>
 </file>
 
@@ -3870,16 +3823,12 @@
           <a:p>
             <a:pPr algn="ctr"/>
             <a:r>
-              <a:rPr lang="en-US" dirty="0" smtClean="0">
+              <a:rPr lang="en-US" dirty="0">
                 <a:latin typeface="Times New Roman" panose="02020603050405020304" pitchFamily="18" charset="0"/>
                 <a:cs typeface="Times New Roman" panose="02020603050405020304" pitchFamily="18" charset="0"/>
               </a:rPr>
               <a:t>Feasibility</a:t>
             </a:r>
-            <a:endParaRPr lang="en-US" dirty="0">
-              <a:latin typeface="Times New Roman" panose="02020603050405020304" pitchFamily="18" charset="0"/>
-              <a:cs typeface="Times New Roman" panose="02020603050405020304" pitchFamily="18" charset="0"/>
-            </a:endParaRPr>
           </a:p>
         </p:txBody>
       </p:sp>
@@ -3900,73 +3849,6 @@
           </a:bodyPr>
           <a:lstStyle/>
           <a:p>
-            <a:endParaRPr lang="en-US" sz="3000" dirty="0" smtClean="0">
-              <a:solidFill>
-                <a:schemeClr val="tx1"/>
-              </a:solidFill>
-              <a:latin typeface="Times New Roman" panose="02020603050405020304" pitchFamily="18" charset="0"/>
-              <a:cs typeface="Times New Roman" panose="02020603050405020304" pitchFamily="18" charset="0"/>
-            </a:endParaRPr>
-          </a:p>
-          <a:p>
-            <a:r>
-              <a:rPr lang="en-US" sz="3000" dirty="0" smtClean="0">
-                <a:solidFill>
-                  <a:schemeClr val="tx1"/>
-                </a:solidFill>
-                <a:latin typeface="Times New Roman" panose="02020603050405020304" pitchFamily="18" charset="0"/>
-                <a:cs typeface="Times New Roman" panose="02020603050405020304" pitchFamily="18" charset="0"/>
-              </a:rPr>
-              <a:t>Easy to learn</a:t>
-            </a:r>
-          </a:p>
-          <a:p>
-            <a:r>
-              <a:rPr lang="en-US" sz="3000" dirty="0" smtClean="0">
-                <a:solidFill>
-                  <a:schemeClr val="tx1"/>
-                </a:solidFill>
-                <a:latin typeface="Times New Roman" panose="02020603050405020304" pitchFamily="18" charset="0"/>
-                <a:cs typeface="Times New Roman" panose="02020603050405020304" pitchFamily="18" charset="0"/>
-              </a:rPr>
-              <a:t>No need of extra hardware or Manual work</a:t>
-            </a:r>
-          </a:p>
-          <a:p>
-            <a:r>
-              <a:rPr lang="en-US" sz="3000" dirty="0" smtClean="0">
-                <a:solidFill>
-                  <a:schemeClr val="tx1"/>
-                </a:solidFill>
-                <a:latin typeface="Times New Roman" panose="02020603050405020304" pitchFamily="18" charset="0"/>
-                <a:cs typeface="Times New Roman" panose="02020603050405020304" pitchFamily="18" charset="0"/>
-              </a:rPr>
-              <a:t>Faster access and output</a:t>
-            </a:r>
-          </a:p>
-          <a:p>
-            <a:r>
-              <a:rPr lang="en-US" sz="3000" dirty="0" smtClean="0">
-                <a:solidFill>
-                  <a:schemeClr val="tx1"/>
-                </a:solidFill>
-                <a:latin typeface="Times New Roman" panose="02020603050405020304" pitchFamily="18" charset="0"/>
-                <a:cs typeface="Times New Roman" panose="02020603050405020304" pitchFamily="18" charset="0"/>
-              </a:rPr>
-              <a:t>System is very easy to use</a:t>
-            </a:r>
-          </a:p>
-          <a:p>
-            <a:r>
-              <a:rPr lang="en-US" sz="3000" dirty="0" smtClean="0">
-                <a:solidFill>
-                  <a:schemeClr val="tx1"/>
-                </a:solidFill>
-                <a:latin typeface="Times New Roman" panose="02020603050405020304" pitchFamily="18" charset="0"/>
-                <a:cs typeface="Times New Roman" panose="02020603050405020304" pitchFamily="18" charset="0"/>
-              </a:rPr>
-              <a:t>System requires low cost so it is economically feasible</a:t>
-            </a:r>
             <a:endParaRPr lang="en-US" sz="3000" dirty="0">
               <a:solidFill>
                 <a:schemeClr val="tx1"/>
@@ -3977,7 +3859,67 @@
           </a:p>
           <a:p>
             <a:r>
-              <a:rPr lang="en-US" sz="3000" dirty="0" smtClean="0">
+              <a:rPr lang="en-US" sz="3000" dirty="0">
+                <a:solidFill>
+                  <a:schemeClr val="tx1"/>
+                </a:solidFill>
+                <a:latin typeface="Times New Roman" panose="02020603050405020304" pitchFamily="18" charset="0"/>
+                <a:cs typeface="Times New Roman" panose="02020603050405020304" pitchFamily="18" charset="0"/>
+              </a:rPr>
+              <a:t>Easy to learn</a:t>
+            </a:r>
+          </a:p>
+          <a:p>
+            <a:r>
+              <a:rPr lang="en-US" sz="3000" dirty="0">
+                <a:solidFill>
+                  <a:schemeClr val="tx1"/>
+                </a:solidFill>
+                <a:latin typeface="Times New Roman" panose="02020603050405020304" pitchFamily="18" charset="0"/>
+                <a:cs typeface="Times New Roman" panose="02020603050405020304" pitchFamily="18" charset="0"/>
+              </a:rPr>
+              <a:t>No need of extra hardware or Manual work</a:t>
+            </a:r>
+          </a:p>
+          <a:p>
+            <a:r>
+              <a:rPr lang="en-US" sz="3000" dirty="0">
+                <a:solidFill>
+                  <a:schemeClr val="tx1"/>
+                </a:solidFill>
+                <a:latin typeface="Times New Roman" panose="02020603050405020304" pitchFamily="18" charset="0"/>
+                <a:cs typeface="Times New Roman" panose="02020603050405020304" pitchFamily="18" charset="0"/>
+              </a:rPr>
+              <a:t>Faster access and output</a:t>
+            </a:r>
+          </a:p>
+          <a:p>
+            <a:r>
+              <a:rPr lang="en-US" sz="3000" dirty="0">
+                <a:solidFill>
+                  <a:schemeClr val="tx1"/>
+                </a:solidFill>
+                <a:latin typeface="Times New Roman" panose="02020603050405020304" pitchFamily="18" charset="0"/>
+                <a:cs typeface="Times New Roman" panose="02020603050405020304" pitchFamily="18" charset="0"/>
+              </a:rPr>
+              <a:t>System is very easy to use</a:t>
+            </a:r>
+          </a:p>
+          <a:p>
+            <a:r>
+              <a:rPr lang="en-US" sz="3000" dirty="0">
+                <a:solidFill>
+                  <a:schemeClr val="tx1"/>
+                </a:solidFill>
+                <a:latin typeface="Times New Roman" panose="02020603050405020304" pitchFamily="18" charset="0"/>
+                <a:cs typeface="Times New Roman" panose="02020603050405020304" pitchFamily="18" charset="0"/>
+              </a:rPr>
+              <a:t>System requires low cost so it is economically feasible</a:t>
+            </a:r>
+          </a:p>
+          <a:p>
+            <a:r>
+              <a:rPr lang="en-US" sz="3000" dirty="0">
                 <a:solidFill>
                   <a:schemeClr val="tx1"/>
                 </a:solidFill>
@@ -4006,13 +3948,6 @@
   <p:clrMapOvr>
     <a:masterClrMapping/>
   </p:clrMapOvr>
-  <p:timing>
-    <p:tnLst>
-      <p:par>
-        <p:cTn id="1" dur="indefinite" restart="never" nodeType="tmRoot"/>
-      </p:par>
-    </p:tnLst>
-  </p:timing>
 </p:sld>
 </file>
 
@@ -4055,10 +3990,9 @@
           <a:p>
             <a:pPr algn="ctr"/>
             <a:r>
-              <a:rPr lang="en-IN" dirty="0" smtClean="0"/>
+              <a:rPr lang="en-IN" dirty="0"/>
               <a:t>Scope</a:t>
             </a:r>
-            <a:endParaRPr lang="en-IN" dirty="0"/>
           </a:p>
         </p:txBody>
       </p:sp>
@@ -4112,16 +4046,6 @@
           </a:p>
           <a:p>
             <a:r>
-              <a:rPr lang="en-US" sz="2800" dirty="0" smtClean="0">
-                <a:solidFill>
-                  <a:schemeClr val="tx1"/>
-                </a:solidFill>
-                <a:latin typeface="Times New Roman" pitchFamily="18" charset="0"/>
-                <a:cs typeface="Times New Roman" pitchFamily="18" charset="0"/>
-              </a:rPr>
-              <a:t> </a:t>
-            </a:r>
-            <a:r>
               <a:rPr lang="en-US" sz="2800" dirty="0">
                 <a:solidFill>
                   <a:schemeClr val="tx1"/>
@@ -4129,7 +4053,7 @@
                 <a:latin typeface="Times New Roman" pitchFamily="18" charset="0"/>
                 <a:cs typeface="Times New Roman" pitchFamily="18" charset="0"/>
               </a:rPr>
-              <a:t>Existing systems lack the flexibility to support all types of tags identified by researchers.</a:t>
+              <a:t> Existing systems lack the flexibility to support all types of tags identified by researchers.</a:t>
             </a:r>
           </a:p>
           <a:p>
@@ -4172,13 +4096,6 @@
   <p:clrMapOvr>
     <a:masterClrMapping/>
   </p:clrMapOvr>
-  <p:timing>
-    <p:tnLst>
-      <p:par>
-        <p:cTn id="1" dur="indefinite" restart="never" nodeType="tmRoot"/>
-      </p:par>
-    </p:tnLst>
-  </p:timing>
 </p:sld>
 </file>
 
@@ -4216,10 +4133,9 @@
           <a:p>
             <a:pPr algn="ctr"/>
             <a:r>
-              <a:rPr lang="en-IN" dirty="0" smtClean="0"/>
+              <a:rPr lang="en-IN" dirty="0"/>
               <a:t>Requirement</a:t>
             </a:r>
-            <a:endParaRPr lang="en-IN" dirty="0"/>
           </a:p>
         </p:txBody>
       </p:sp>
@@ -4247,7 +4163,7 @@
               <a:buNone/>
             </a:pPr>
             <a:r>
-              <a:rPr lang="en-US" sz="2800" b="1" u="sng" dirty="0" smtClean="0">
+              <a:rPr lang="en-US" sz="2800" b="1" u="sng" dirty="0">
                 <a:solidFill>
                   <a:schemeClr val="tx1"/>
                 </a:solidFill>
@@ -4264,7 +4180,7 @@
               </a:lnSpc>
             </a:pPr>
             <a:r>
-              <a:rPr lang="en-US" sz="2800" dirty="0" smtClean="0">
+              <a:rPr lang="en-US" sz="2800" dirty="0">
                 <a:solidFill>
                   <a:schemeClr val="tx1"/>
                 </a:solidFill>
@@ -4281,7 +4197,7 @@
               </a:lnSpc>
             </a:pPr>
             <a:r>
-              <a:rPr lang="en-US" sz="2800" dirty="0" smtClean="0">
+              <a:rPr lang="en-US" sz="2800" dirty="0">
                 <a:solidFill>
                   <a:schemeClr val="tx1"/>
                 </a:solidFill>
@@ -4298,7 +4214,7 @@
               </a:lnSpc>
               <a:buNone/>
             </a:pPr>
-            <a:endParaRPr lang="en-US" sz="2800" dirty="0" smtClean="0">
+            <a:endParaRPr lang="en-US" sz="2800" dirty="0">
               <a:solidFill>
                 <a:schemeClr val="tx1"/>
               </a:solidFill>
@@ -4314,7 +4230,7 @@
               <a:buNone/>
             </a:pPr>
             <a:r>
-              <a:rPr lang="en-US" sz="3000" b="1" u="sng" dirty="0" smtClean="0">
+              <a:rPr lang="en-US" sz="3000" b="1" u="sng" dirty="0">
                 <a:solidFill>
                   <a:schemeClr val="tx1"/>
                 </a:solidFill>
@@ -4324,7 +4240,7 @@
               <a:t>Software</a:t>
             </a:r>
             <a:r>
-              <a:rPr lang="en-US" sz="2800" b="1" u="sng" dirty="0" smtClean="0">
+              <a:rPr lang="en-US" sz="2800" b="1" u="sng" dirty="0">
                 <a:solidFill>
                   <a:schemeClr val="tx1"/>
                 </a:solidFill>
@@ -4333,13 +4249,6 @@
               </a:rPr>
               <a:t>:</a:t>
             </a:r>
-            <a:endParaRPr lang="en-US" sz="2800" b="1" u="sng" dirty="0">
-              <a:solidFill>
-                <a:schemeClr val="tx1"/>
-              </a:solidFill>
-              <a:latin typeface="Times New Roman" pitchFamily="18" charset="0"/>
-              <a:cs typeface="Times New Roman" pitchFamily="18" charset="0"/>
-            </a:endParaRPr>
           </a:p>
           <a:p>
             <a:pPr algn="just">
@@ -4348,7 +4257,7 @@
               </a:lnSpc>
             </a:pPr>
             <a:r>
-              <a:rPr lang="en-US" sz="2800" dirty="0" smtClean="0">
+              <a:rPr lang="en-US" sz="2800" dirty="0">
                 <a:solidFill>
                   <a:schemeClr val="tx1"/>
                 </a:solidFill>
@@ -4365,16 +4274,6 @@
               </a:lnSpc>
             </a:pPr>
             <a:r>
-              <a:rPr lang="en-US" sz="2800" dirty="0" smtClean="0">
-                <a:solidFill>
-                  <a:schemeClr val="tx1"/>
-                </a:solidFill>
-                <a:latin typeface="Times New Roman" pitchFamily="18" charset="0"/>
-                <a:cs typeface="Times New Roman" pitchFamily="18" charset="0"/>
-              </a:rPr>
-              <a:t>SQL Server </a:t>
-            </a:r>
-            <a:r>
               <a:rPr lang="en-US" sz="2800" dirty="0">
                 <a:solidFill>
                   <a:schemeClr val="tx1"/>
@@ -4382,7 +4281,7 @@
                 <a:latin typeface="Times New Roman" pitchFamily="18" charset="0"/>
                 <a:cs typeface="Times New Roman" pitchFamily="18" charset="0"/>
               </a:rPr>
-              <a:t>Management Studio 2017</a:t>
+              <a:t>SQL Server Management Studio 2017</a:t>
             </a:r>
           </a:p>
           <a:p>
@@ -4421,13 +4320,6 @@
   <p:clrMapOvr>
     <a:masterClrMapping/>
   </p:clrMapOvr>
-  <p:timing>
-    <p:tnLst>
-      <p:par>
-        <p:cTn id="1" dur="indefinite" restart="never" nodeType="tmRoot"/>
-      </p:par>
-    </p:tnLst>
-  </p:timing>
 </p:sld>
 </file>
 
@@ -4465,16 +4357,12 @@
           <a:p>
             <a:pPr algn="ctr"/>
             <a:r>
-              <a:rPr lang="en-US" dirty="0" smtClean="0">
+              <a:rPr lang="en-US" dirty="0">
                 <a:latin typeface="Times New Roman" pitchFamily="18" charset="0"/>
                 <a:cs typeface="Times New Roman" pitchFamily="18" charset="0"/>
               </a:rPr>
               <a:t>Goal</a:t>
             </a:r>
-            <a:endParaRPr lang="en-US" dirty="0">
-              <a:latin typeface="Times New Roman" pitchFamily="18" charset="0"/>
-              <a:cs typeface="Times New Roman" pitchFamily="18" charset="0"/>
-            </a:endParaRPr>
           </a:p>
         </p:txBody>
       </p:sp>
@@ -4497,7 +4385,7 @@
           <a:p>
             <a:pPr algn="just"/>
             <a:r>
-              <a:rPr lang="en-US" sz="2800" dirty="0" smtClean="0">
+              <a:rPr lang="en-US" sz="2800" dirty="0">
                 <a:solidFill>
                   <a:schemeClr val="tx1"/>
                 </a:solidFill>
@@ -4510,7 +4398,7 @@
           <a:p>
             <a:pPr algn="just"/>
             <a:r>
-              <a:rPr lang="en-US" sz="2800" dirty="0" smtClean="0">
+              <a:rPr lang="en-US" sz="2800" dirty="0">
                 <a:solidFill>
                   <a:schemeClr val="tx1"/>
                 </a:solidFill>
@@ -4523,7 +4411,7 @@
           <a:p>
             <a:pPr algn="just"/>
             <a:r>
-              <a:rPr lang="en-US" sz="2800" dirty="0" smtClean="0">
+              <a:rPr lang="en-US" sz="2800" dirty="0">
                 <a:solidFill>
                   <a:schemeClr val="tx1"/>
                 </a:solidFill>
@@ -4540,13 +4428,6 @@
   <p:clrMapOvr>
     <a:masterClrMapping/>
   </p:clrMapOvr>
-  <p:timing>
-    <p:tnLst>
-      <p:par>
-        <p:cTn id="1" dur="indefinite" restart="never" nodeType="tmRoot"/>
-      </p:par>
-    </p:tnLst>
-  </p:timing>
 </p:sld>
 </file>
 
@@ -4589,16 +4470,12 @@
           <a:p>
             <a:pPr algn="ctr"/>
             <a:r>
-              <a:rPr lang="en-US" dirty="0" smtClean="0">
+              <a:rPr lang="en-US" dirty="0">
                 <a:latin typeface="Times New Roman" pitchFamily="18" charset="0"/>
                 <a:cs typeface="Times New Roman" pitchFamily="18" charset="0"/>
               </a:rPr>
               <a:t>Project cost</a:t>
             </a:r>
-            <a:endParaRPr lang="en-US" dirty="0">
-              <a:latin typeface="Times New Roman" pitchFamily="18" charset="0"/>
-              <a:cs typeface="Times New Roman" pitchFamily="18" charset="0"/>
-            </a:endParaRPr>
           </a:p>
         </p:txBody>
       </p:sp>
@@ -4626,7 +4503,7 @@
           <a:p>
             <a:pPr marL="425196" algn="just"/>
             <a:r>
-              <a:rPr lang="en-US" sz="2400" dirty="0" smtClean="0">
+              <a:rPr lang="en-US" sz="2400" dirty="0">
                 <a:solidFill>
                   <a:schemeClr val="tx1"/>
                 </a:solidFill>
@@ -4648,20 +4525,10 @@
                 <a:latin typeface="Times New Roman" pitchFamily="18" charset="0"/>
                 <a:cs typeface="Times New Roman" pitchFamily="18" charset="0"/>
               </a:rPr>
-              <a:t>	</a:t>
-            </a:r>
-            <a:r>
-              <a:rPr lang="en-US" dirty="0" smtClean="0">
-                <a:solidFill>
-                  <a:schemeClr val="tx1"/>
-                </a:solidFill>
-                <a:latin typeface="Times New Roman" pitchFamily="18" charset="0"/>
-                <a:cs typeface="Times New Roman" pitchFamily="18" charset="0"/>
-              </a:rPr>
-              <a:t>1. Total Lines Of Code for our Project, 	KLOC=3k(</a:t>
-            </a:r>
-            <a:r>
-              <a:rPr lang="en-US" dirty="0" err="1" smtClean="0">
+              <a:t>	1. Total Lines Of Code for our Project, 	KLOC=3k(</a:t>
+            </a:r>
+            <a:r>
+              <a:rPr lang="en-US" dirty="0" err="1">
                 <a:solidFill>
                   <a:schemeClr val="tx1"/>
                 </a:solidFill>
@@ -4671,7 +4538,7 @@
               <a:t>approx</a:t>
             </a:r>
             <a:r>
-              <a:rPr lang="en-US" dirty="0" smtClean="0">
+              <a:rPr lang="en-US" dirty="0">
                 <a:solidFill>
                   <a:schemeClr val="tx1"/>
                 </a:solidFill>
@@ -4693,20 +4560,10 @@
                 <a:latin typeface="Times New Roman" pitchFamily="18" charset="0"/>
                 <a:cs typeface="Times New Roman" pitchFamily="18" charset="0"/>
               </a:rPr>
-              <a:t>	</a:t>
-            </a:r>
-            <a:r>
-              <a:rPr lang="en-US" dirty="0" smtClean="0">
-                <a:solidFill>
-                  <a:schemeClr val="tx1"/>
-                </a:solidFill>
-                <a:latin typeface="Times New Roman" pitchFamily="18" charset="0"/>
-                <a:cs typeface="Times New Roman" pitchFamily="18" charset="0"/>
-              </a:rPr>
-              <a:t>2.     Cost of each person per Month, </a:t>
-            </a:r>
-            <a:r>
-              <a:rPr lang="en-US" dirty="0" err="1" smtClean="0">
+              <a:t>	2.     Cost of each person per Month, </a:t>
+            </a:r>
+            <a:r>
+              <a:rPr lang="en-US" dirty="0" err="1">
                 <a:solidFill>
                   <a:schemeClr val="tx1"/>
                 </a:solidFill>
@@ -4716,7 +4573,7 @@
               <a:t>Cp</a:t>
             </a:r>
             <a:r>
-              <a:rPr lang="en-US" dirty="0" smtClean="0">
+              <a:rPr lang="en-US" dirty="0">
                 <a:solidFill>
                   <a:schemeClr val="tx1"/>
                 </a:solidFill>
@@ -4726,7 +4583,7 @@
               <a:t>=</a:t>
             </a:r>
             <a:r>
-              <a:rPr lang="en-US" dirty="0" err="1" smtClean="0">
+              <a:rPr lang="en-US" dirty="0" err="1">
                 <a:solidFill>
                   <a:schemeClr val="tx1"/>
                 </a:solidFill>
@@ -4736,7 +4593,7 @@
               <a:t>Rs</a:t>
             </a:r>
             <a:r>
-              <a:rPr lang="en-US" dirty="0" smtClean="0">
+              <a:rPr lang="en-US" dirty="0">
                 <a:solidFill>
                   <a:schemeClr val="tx1"/>
                 </a:solidFill>
@@ -4745,7 +4602,95 @@
               </a:rPr>
               <a:t>. 1,000 	/-(per person month)</a:t>
             </a:r>
-            <a:endParaRPr lang="en-US" dirty="0">
+          </a:p>
+          <a:p>
+            <a:pPr marL="425196" algn="just"/>
+            <a:r>
+              <a:rPr lang="en-US" sz="2400" dirty="0">
+                <a:solidFill>
+                  <a:schemeClr val="tx1"/>
+                </a:solidFill>
+                <a:latin typeface="Times New Roman" pitchFamily="18" charset="0"/>
+                <a:cs typeface="Times New Roman" pitchFamily="18" charset="0"/>
+              </a:rPr>
+              <a:t>Number Of People:</a:t>
+            </a:r>
+          </a:p>
+          <a:p>
+            <a:pPr marL="82296" indent="0" algn="just">
+              <a:buNone/>
+            </a:pPr>
+            <a:r>
+              <a:rPr lang="en-US" dirty="0">
+                <a:solidFill>
+                  <a:schemeClr val="tx1"/>
+                </a:solidFill>
+                <a:latin typeface="Times New Roman" pitchFamily="18" charset="0"/>
+                <a:cs typeface="Times New Roman" pitchFamily="18" charset="0"/>
+              </a:rPr>
+              <a:t>	N=E/D</a:t>
+            </a:r>
+          </a:p>
+          <a:p>
+            <a:pPr marL="82296" indent="0" algn="just">
+              <a:buNone/>
+            </a:pPr>
+            <a:r>
+              <a:rPr lang="en-US" sz="2400" dirty="0">
+                <a:solidFill>
+                  <a:schemeClr val="tx1"/>
+                </a:solidFill>
+                <a:latin typeface="Times New Roman" pitchFamily="18" charset="0"/>
+                <a:cs typeface="Times New Roman" pitchFamily="18" charset="0"/>
+              </a:rPr>
+              <a:t>	Where, </a:t>
+            </a:r>
+          </a:p>
+          <a:p>
+            <a:pPr marL="82296" indent="0" algn="just">
+              <a:buNone/>
+            </a:pPr>
+            <a:r>
+              <a:rPr lang="en-US" dirty="0">
+                <a:solidFill>
+                  <a:schemeClr val="tx1"/>
+                </a:solidFill>
+                <a:latin typeface="Times New Roman" pitchFamily="18" charset="0"/>
+                <a:cs typeface="Times New Roman" pitchFamily="18" charset="0"/>
+              </a:rPr>
+              <a:t>	N=Number Of People Required</a:t>
+            </a:r>
+          </a:p>
+          <a:p>
+            <a:pPr marL="82296" indent="0" algn="just">
+              <a:buNone/>
+            </a:pPr>
+            <a:r>
+              <a:rPr lang="en-US" sz="2400" dirty="0">
+                <a:solidFill>
+                  <a:schemeClr val="tx1"/>
+                </a:solidFill>
+                <a:latin typeface="Times New Roman" pitchFamily="18" charset="0"/>
+                <a:cs typeface="Times New Roman" pitchFamily="18" charset="0"/>
+              </a:rPr>
+              <a:t>	E=Effort In person/Month</a:t>
+            </a:r>
+          </a:p>
+          <a:p>
+            <a:pPr marL="82296" indent="0" algn="just">
+              <a:buNone/>
+            </a:pPr>
+            <a:r>
+              <a:rPr lang="en-US" dirty="0">
+                <a:solidFill>
+                  <a:schemeClr val="tx1"/>
+                </a:solidFill>
+                <a:latin typeface="Times New Roman" pitchFamily="18" charset="0"/>
+                <a:cs typeface="Times New Roman" pitchFamily="18" charset="0"/>
+              </a:rPr>
+              <a:t>	D=Duration Of Project in Months</a:t>
+            </a:r>
+            <a:endParaRPr lang="en-US" sz="2400" dirty="0">
               <a:solidFill>
                 <a:schemeClr val="tx1"/>
               </a:solidFill>
@@ -4753,111 +4698,6 @@
               <a:cs typeface="Times New Roman" pitchFamily="18" charset="0"/>
             </a:endParaRPr>
           </a:p>
-          <a:p>
-            <a:pPr marL="425196" algn="just"/>
-            <a:r>
-              <a:rPr lang="en-US" sz="2400" dirty="0" smtClean="0">
-                <a:solidFill>
-                  <a:schemeClr val="tx1"/>
-                </a:solidFill>
-                <a:latin typeface="Times New Roman" pitchFamily="18" charset="0"/>
-                <a:cs typeface="Times New Roman" pitchFamily="18" charset="0"/>
-              </a:rPr>
-              <a:t>Number Of People:</a:t>
-            </a:r>
-          </a:p>
-          <a:p>
-            <a:pPr marL="82296" indent="0" algn="just">
-              <a:buNone/>
-            </a:pPr>
-            <a:r>
-              <a:rPr lang="en-US" dirty="0">
-                <a:solidFill>
-                  <a:schemeClr val="tx1"/>
-                </a:solidFill>
-                <a:latin typeface="Times New Roman" pitchFamily="18" charset="0"/>
-                <a:cs typeface="Times New Roman" pitchFamily="18" charset="0"/>
-              </a:rPr>
-              <a:t>	</a:t>
-            </a:r>
-            <a:r>
-              <a:rPr lang="en-US" dirty="0" smtClean="0">
-                <a:solidFill>
-                  <a:schemeClr val="tx1"/>
-                </a:solidFill>
-                <a:latin typeface="Times New Roman" pitchFamily="18" charset="0"/>
-                <a:cs typeface="Times New Roman" pitchFamily="18" charset="0"/>
-              </a:rPr>
-              <a:t>N=E/D</a:t>
-            </a:r>
-          </a:p>
-          <a:p>
-            <a:pPr marL="82296" indent="0" algn="just">
-              <a:buNone/>
-            </a:pPr>
-            <a:r>
-              <a:rPr lang="en-US" sz="2400" dirty="0" smtClean="0">
-                <a:solidFill>
-                  <a:schemeClr val="tx1"/>
-                </a:solidFill>
-                <a:latin typeface="Times New Roman" pitchFamily="18" charset="0"/>
-                <a:cs typeface="Times New Roman" pitchFamily="18" charset="0"/>
-              </a:rPr>
-              <a:t>	Where, </a:t>
-            </a:r>
-          </a:p>
-          <a:p>
-            <a:pPr marL="82296" indent="0" algn="just">
-              <a:buNone/>
-            </a:pPr>
-            <a:r>
-              <a:rPr lang="en-US" dirty="0" smtClean="0">
-                <a:solidFill>
-                  <a:schemeClr val="tx1"/>
-                </a:solidFill>
-                <a:latin typeface="Times New Roman" pitchFamily="18" charset="0"/>
-                <a:cs typeface="Times New Roman" pitchFamily="18" charset="0"/>
-              </a:rPr>
-              <a:t>	N=Number Of People Required</a:t>
-            </a:r>
-          </a:p>
-          <a:p>
-            <a:pPr marL="82296" indent="0" algn="just">
-              <a:buNone/>
-            </a:pPr>
-            <a:r>
-              <a:rPr lang="en-US" sz="2400" dirty="0" smtClean="0">
-                <a:solidFill>
-                  <a:schemeClr val="tx1"/>
-                </a:solidFill>
-                <a:latin typeface="Times New Roman" pitchFamily="18" charset="0"/>
-                <a:cs typeface="Times New Roman" pitchFamily="18" charset="0"/>
-              </a:rPr>
-              <a:t>	E=Effort In person/Month</a:t>
-            </a:r>
-          </a:p>
-          <a:p>
-            <a:pPr marL="82296" indent="0" algn="just">
-              <a:buNone/>
-            </a:pPr>
-            <a:r>
-              <a:rPr lang="en-US" dirty="0" smtClean="0">
-                <a:solidFill>
-                  <a:schemeClr val="tx1"/>
-                </a:solidFill>
-                <a:latin typeface="Times New Roman" pitchFamily="18" charset="0"/>
-                <a:cs typeface="Times New Roman" pitchFamily="18" charset="0"/>
-              </a:rPr>
-              <a:t>	D=Duration Of Project in Months</a:t>
-            </a:r>
-            <a:endParaRPr lang="en-US" sz="2400" dirty="0" smtClean="0">
-              <a:solidFill>
-                <a:schemeClr val="tx1"/>
-              </a:solidFill>
-              <a:latin typeface="Times New Roman" pitchFamily="18" charset="0"/>
-              <a:cs typeface="Times New Roman" pitchFamily="18" charset="0"/>
-            </a:endParaRPr>
-          </a:p>
         </p:txBody>
       </p:sp>
     </p:spTree>
@@ -4865,13 +4705,6 @@
   <p:clrMapOvr>
     <a:masterClrMapping/>
   </p:clrMapOvr>
-  <p:timing>
-    <p:tnLst>
-      <p:par>
-        <p:cTn id="1" dur="indefinite" restart="never" nodeType="tmRoot"/>
-      </p:par>
-    </p:tnLst>
-  </p:timing>
 </p:sld>
 </file>
 
@@ -4908,10 +4741,9 @@
           <a:lstStyle/>
           <a:p>
             <a:r>
-              <a:rPr lang="en-US" dirty="0" smtClean="0"/>
+              <a:rPr lang="en-US" dirty="0"/>
               <a:t>Continued…</a:t>
             </a:r>
-            <a:endParaRPr lang="en-US" dirty="0"/>
           </a:p>
         </p:txBody>
       </p:sp>
@@ -4932,7 +4764,7 @@
           <a:p>
             <a:pPr algn="just"/>
             <a:r>
-              <a:rPr lang="en-US" dirty="0" smtClean="0">
+              <a:rPr lang="en-US" dirty="0">
                 <a:solidFill>
                   <a:schemeClr val="tx1"/>
                 </a:solidFill>
@@ -4954,20 +4786,10 @@
                 <a:latin typeface="Times New Roman" pitchFamily="18" charset="0"/>
                 <a:cs typeface="Times New Roman" pitchFamily="18" charset="0"/>
               </a:rPr>
-              <a:t>	</a:t>
-            </a:r>
-            <a:r>
-              <a:rPr lang="en-US" dirty="0" smtClean="0">
-                <a:solidFill>
-                  <a:schemeClr val="tx1"/>
-                </a:solidFill>
-                <a:latin typeface="Times New Roman" pitchFamily="18" charset="0"/>
-                <a:cs typeface="Times New Roman" pitchFamily="18" charset="0"/>
-              </a:rPr>
-              <a:t>C=D*</a:t>
-            </a:r>
-            <a:r>
-              <a:rPr lang="en-US" dirty="0" err="1" smtClean="0">
+              <a:t>	C=D*</a:t>
+            </a:r>
+            <a:r>
+              <a:rPr lang="en-US" dirty="0" err="1">
                 <a:solidFill>
                   <a:schemeClr val="tx1"/>
                 </a:solidFill>
@@ -4976,7 +4798,7 @@
               </a:rPr>
               <a:t>Cp</a:t>
             </a:r>
-            <a:endParaRPr lang="en-US" dirty="0" smtClean="0">
+            <a:endParaRPr lang="en-US" dirty="0">
               <a:solidFill>
                 <a:schemeClr val="tx1"/>
               </a:solidFill>
@@ -4996,17 +4818,57 @@
                 <a:latin typeface="Times New Roman" pitchFamily="18" charset="0"/>
                 <a:cs typeface="Times New Roman" pitchFamily="18" charset="0"/>
               </a:rPr>
+              <a:t>	Where,</a:t>
+            </a:r>
+          </a:p>
+          <a:p>
+            <a:pPr marL="0" indent="0" algn="just">
+              <a:buNone/>
+            </a:pPr>
+            <a:r>
+              <a:rPr lang="en-US" dirty="0">
+                <a:solidFill>
+                  <a:schemeClr val="tx1"/>
+                </a:solidFill>
+                <a:latin typeface="Times New Roman" pitchFamily="18" charset="0"/>
+                <a:cs typeface="Times New Roman" pitchFamily="18" charset="0"/>
+              </a:rPr>
+              <a:t>	D=Duration in Months</a:t>
+            </a:r>
+          </a:p>
+          <a:p>
+            <a:pPr marL="0" indent="0" algn="just">
+              <a:buNone/>
+            </a:pPr>
+            <a:r>
+              <a:rPr lang="en-US" dirty="0">
+                <a:solidFill>
+                  <a:schemeClr val="tx1"/>
+                </a:solidFill>
+                <a:latin typeface="Times New Roman" pitchFamily="18" charset="0"/>
+                <a:cs typeface="Times New Roman" pitchFamily="18" charset="0"/>
+              </a:rPr>
               <a:t>	</a:t>
             </a:r>
             <a:r>
-              <a:rPr lang="en-US" dirty="0" smtClean="0">
-                <a:solidFill>
-                  <a:schemeClr val="tx1"/>
-                </a:solidFill>
-                <a:latin typeface="Times New Roman" pitchFamily="18" charset="0"/>
-                <a:cs typeface="Times New Roman" pitchFamily="18" charset="0"/>
-              </a:rPr>
-              <a:t>Where,</a:t>
+              <a:rPr lang="en-US" dirty="0" err="1">
+                <a:solidFill>
+                  <a:schemeClr val="tx1"/>
+                </a:solidFill>
+                <a:latin typeface="Times New Roman" pitchFamily="18" charset="0"/>
+                <a:cs typeface="Times New Roman" pitchFamily="18" charset="0"/>
+              </a:rPr>
+              <a:t>Cp</a:t>
+            </a:r>
+            <a:r>
+              <a:rPr lang="en-US" dirty="0">
+                <a:solidFill>
+                  <a:schemeClr val="tx1"/>
+                </a:solidFill>
+                <a:latin typeface="Times New Roman" pitchFamily="18" charset="0"/>
+                <a:cs typeface="Times New Roman" pitchFamily="18" charset="0"/>
+              </a:rPr>
+              <a:t>=Cost incurred per person-Month</a:t>
             </a:r>
           </a:p>
           <a:p>
@@ -5021,17 +4883,7 @@
                 <a:latin typeface="Times New Roman" pitchFamily="18" charset="0"/>
                 <a:cs typeface="Times New Roman" pitchFamily="18" charset="0"/>
               </a:rPr>
-              <a:t>	</a:t>
-            </a:r>
-            <a:r>
-              <a:rPr lang="en-US" dirty="0" smtClean="0">
-                <a:solidFill>
-                  <a:schemeClr val="tx1"/>
-                </a:solidFill>
-                <a:latin typeface="Times New Roman" pitchFamily="18" charset="0"/>
-                <a:cs typeface="Times New Roman" pitchFamily="18" charset="0"/>
-              </a:rPr>
-              <a:t>D=Duration in Months</a:t>
+              <a:t>  4 People are required to successfully complete the Project.</a:t>
             </a:r>
           </a:p>
           <a:p>
@@ -5046,90 +4898,40 @@
                 <a:latin typeface="Times New Roman" pitchFamily="18" charset="0"/>
                 <a:cs typeface="Times New Roman" pitchFamily="18" charset="0"/>
               </a:rPr>
-              <a:t>	</a:t>
-            </a:r>
-            <a:r>
-              <a:rPr lang="en-US" dirty="0" err="1" smtClean="0">
-                <a:solidFill>
-                  <a:schemeClr val="tx1"/>
-                </a:solidFill>
-                <a:latin typeface="Times New Roman" pitchFamily="18" charset="0"/>
-                <a:cs typeface="Times New Roman" pitchFamily="18" charset="0"/>
-              </a:rPr>
-              <a:t>Cp</a:t>
-            </a:r>
-            <a:r>
-              <a:rPr lang="en-US" dirty="0" smtClean="0">
-                <a:solidFill>
-                  <a:schemeClr val="tx1"/>
-                </a:solidFill>
-                <a:latin typeface="Times New Roman" pitchFamily="18" charset="0"/>
-                <a:cs typeface="Times New Roman" pitchFamily="18" charset="0"/>
-              </a:rPr>
-              <a:t>=Cost incurred per person-Month</a:t>
-            </a:r>
-          </a:p>
-          <a:p>
-            <a:pPr marL="0" indent="0" algn="just">
-              <a:buNone/>
-            </a:pPr>
-            <a:r>
-              <a:rPr lang="en-US" dirty="0" smtClean="0">
-                <a:solidFill>
-                  <a:schemeClr val="tx1"/>
-                </a:solidFill>
-                <a:latin typeface="Times New Roman" pitchFamily="18" charset="0"/>
-                <a:cs typeface="Times New Roman" pitchFamily="18" charset="0"/>
-              </a:rPr>
-              <a:t>  4 People are required to successfully complete the Project.</a:t>
-            </a:r>
-          </a:p>
-          <a:p>
-            <a:pPr marL="0" indent="0" algn="just">
-              <a:buNone/>
-            </a:pPr>
-            <a:r>
-              <a:rPr lang="en-US" dirty="0" smtClean="0">
-                <a:solidFill>
-                  <a:schemeClr val="tx1"/>
-                </a:solidFill>
-                <a:latin typeface="Times New Roman" pitchFamily="18" charset="0"/>
-                <a:cs typeface="Times New Roman" pitchFamily="18" charset="0"/>
-              </a:rPr>
               <a:t>  C=4*1000=4000/month</a:t>
             </a:r>
           </a:p>
           <a:p>
             <a:pPr algn="just"/>
             <a:r>
-              <a:rPr lang="en-US" dirty="0" smtClean="0">
-                <a:solidFill>
-                  <a:schemeClr val="tx1"/>
-                </a:solidFill>
-                <a:latin typeface="Times New Roman" pitchFamily="18" charset="0"/>
-                <a:cs typeface="Times New Roman" pitchFamily="18" charset="0"/>
-              </a:rPr>
-              <a:t>Hence total cost= </a:t>
-            </a:r>
-            <a:r>
-              <a:rPr lang="en-US" dirty="0" err="1" smtClean="0">
-                <a:solidFill>
-                  <a:schemeClr val="tx1"/>
-                </a:solidFill>
-                <a:latin typeface="Times New Roman" pitchFamily="18" charset="0"/>
-                <a:cs typeface="Times New Roman" pitchFamily="18" charset="0"/>
-              </a:rPr>
-              <a:t>Rs</a:t>
-            </a:r>
-            <a:r>
-              <a:rPr lang="en-US" dirty="0" smtClean="0">
-                <a:solidFill>
-                  <a:schemeClr val="tx1"/>
-                </a:solidFill>
-                <a:latin typeface="Times New Roman" pitchFamily="18" charset="0"/>
-                <a:cs typeface="Times New Roman" pitchFamily="18" charset="0"/>
-              </a:rPr>
-              <a:t>. 16,000/-</a:t>
+              <a:rPr lang="en-US" dirty="0">
+                <a:solidFill>
+                  <a:schemeClr val="tx1"/>
+                </a:solidFill>
+                <a:latin typeface="Times New Roman" pitchFamily="18" charset="0"/>
+                <a:cs typeface="Times New Roman" pitchFamily="18" charset="0"/>
+              </a:rPr>
+              <a:t>Hence total cost= Rs. </a:t>
+            </a:r>
+            <a:r>
+              <a:rPr lang="en-US">
+                <a:solidFill>
+                  <a:schemeClr val="tx1"/>
+                </a:solidFill>
+                <a:latin typeface="Times New Roman" pitchFamily="18" charset="0"/>
+                <a:cs typeface="Times New Roman" pitchFamily="18" charset="0"/>
+              </a:rPr>
+              <a:t>24,000</a:t>
+            </a:r>
+            <a:r>
+              <a:rPr lang="en-US" dirty="0">
+                <a:solidFill>
+                  <a:schemeClr val="tx1"/>
+                </a:solidFill>
+                <a:latin typeface="Times New Roman" pitchFamily="18" charset="0"/>
+                <a:cs typeface="Times New Roman" pitchFamily="18" charset="0"/>
+              </a:rPr>
+              <a:t>/-</a:t>
             </a:r>
             <a:endParaRPr lang="en-US" dirty="0"/>
           </a:p>
@@ -5182,16 +4984,12 @@
           <a:p>
             <a:pPr algn="ctr"/>
             <a:r>
-              <a:rPr lang="en-US" dirty="0" smtClean="0">
+              <a:rPr lang="en-US" dirty="0">
                 <a:latin typeface="Times New Roman" pitchFamily="18" charset="0"/>
                 <a:cs typeface="Times New Roman" pitchFamily="18" charset="0"/>
               </a:rPr>
               <a:t>Time </a:t>
             </a:r>
-            <a:endParaRPr lang="en-US" dirty="0">
-              <a:latin typeface="Times New Roman" pitchFamily="18" charset="0"/>
-              <a:cs typeface="Times New Roman" pitchFamily="18" charset="0"/>
-            </a:endParaRPr>
           </a:p>
         </p:txBody>
       </p:sp>
@@ -5214,146 +5012,46 @@
           <a:p>
             <a:pPr algn="just"/>
             <a:r>
-              <a:rPr lang="en-US" sz="2800" dirty="0" smtClean="0">
-                <a:solidFill>
-                  <a:schemeClr val="tx1"/>
-                </a:solidFill>
-                <a:latin typeface="Times New Roman" pitchFamily="18" charset="0"/>
-                <a:cs typeface="Times New Roman" pitchFamily="18" charset="0"/>
-              </a:rPr>
-              <a:t>Requirement gathering and analysis may take up to </a:t>
-            </a:r>
-            <a:r>
-              <a:rPr lang="en-US" sz="2800" dirty="0" smtClean="0">
-                <a:solidFill>
-                  <a:schemeClr val="tx1"/>
-                </a:solidFill>
-                <a:latin typeface="Times New Roman" pitchFamily="18" charset="0"/>
-                <a:cs typeface="Times New Roman" pitchFamily="18" charset="0"/>
-              </a:rPr>
-              <a:t>10  </a:t>
-            </a:r>
-            <a:r>
-              <a:rPr lang="en-US" sz="2800" dirty="0" smtClean="0">
-                <a:solidFill>
-                  <a:schemeClr val="tx1"/>
-                </a:solidFill>
-                <a:latin typeface="Times New Roman" pitchFamily="18" charset="0"/>
-                <a:cs typeface="Times New Roman" pitchFamily="18" charset="0"/>
-              </a:rPr>
-              <a:t>to </a:t>
-            </a:r>
-            <a:r>
-              <a:rPr lang="en-US" sz="2800" dirty="0" smtClean="0">
-                <a:solidFill>
-                  <a:schemeClr val="tx1"/>
-                </a:solidFill>
-                <a:latin typeface="Times New Roman" pitchFamily="18" charset="0"/>
-                <a:cs typeface="Times New Roman" pitchFamily="18" charset="0"/>
-              </a:rPr>
-              <a:t>20 </a:t>
-            </a:r>
-            <a:r>
-              <a:rPr lang="en-US" sz="2800" dirty="0" smtClean="0">
-                <a:solidFill>
-                  <a:schemeClr val="tx1"/>
-                </a:solidFill>
-                <a:latin typeface="Times New Roman" pitchFamily="18" charset="0"/>
-                <a:cs typeface="Times New Roman" pitchFamily="18" charset="0"/>
-              </a:rPr>
-              <a:t>days.</a:t>
+              <a:rPr lang="en-US" sz="2800" dirty="0">
+                <a:solidFill>
+                  <a:schemeClr val="tx1"/>
+                </a:solidFill>
+                <a:latin typeface="Times New Roman" pitchFamily="18" charset="0"/>
+                <a:cs typeface="Times New Roman" pitchFamily="18" charset="0"/>
+              </a:rPr>
+              <a:t>Requirement gathering and analysis may take up to 10  to 20 days.</a:t>
             </a:r>
           </a:p>
           <a:p>
             <a:pPr algn="just"/>
             <a:r>
-              <a:rPr lang="en-US" sz="2800" dirty="0" smtClean="0">
-                <a:solidFill>
-                  <a:schemeClr val="tx1"/>
-                </a:solidFill>
-                <a:latin typeface="Times New Roman" pitchFamily="18" charset="0"/>
-                <a:cs typeface="Times New Roman" pitchFamily="18" charset="0"/>
-              </a:rPr>
-              <a:t>System planning will be done in within </a:t>
-            </a:r>
-            <a:r>
-              <a:rPr lang="en-US" sz="2800" dirty="0" smtClean="0">
-                <a:solidFill>
-                  <a:schemeClr val="tx1"/>
-                </a:solidFill>
-                <a:latin typeface="Times New Roman" pitchFamily="18" charset="0"/>
-                <a:cs typeface="Times New Roman" pitchFamily="18" charset="0"/>
-              </a:rPr>
-              <a:t>20</a:t>
-            </a:r>
-            <a:r>
-              <a:rPr lang="en-US" sz="2800" dirty="0" smtClean="0">
-                <a:solidFill>
-                  <a:schemeClr val="tx1"/>
-                </a:solidFill>
-                <a:latin typeface="Times New Roman" pitchFamily="18" charset="0"/>
-                <a:cs typeface="Times New Roman" pitchFamily="18" charset="0"/>
-              </a:rPr>
-              <a:t> </a:t>
-            </a:r>
-            <a:r>
-              <a:rPr lang="en-US" sz="2800" dirty="0" smtClean="0">
-                <a:solidFill>
-                  <a:schemeClr val="tx1"/>
-                </a:solidFill>
-                <a:latin typeface="Times New Roman" pitchFamily="18" charset="0"/>
-                <a:cs typeface="Times New Roman" pitchFamily="18" charset="0"/>
-              </a:rPr>
-              <a:t>days.</a:t>
+              <a:rPr lang="en-US" sz="2800" dirty="0">
+                <a:solidFill>
+                  <a:schemeClr val="tx1"/>
+                </a:solidFill>
+                <a:latin typeface="Times New Roman" pitchFamily="18" charset="0"/>
+                <a:cs typeface="Times New Roman" pitchFamily="18" charset="0"/>
+              </a:rPr>
+              <a:t>System planning will be done in within 20 days.</a:t>
             </a:r>
           </a:p>
           <a:p>
             <a:pPr algn="just"/>
             <a:r>
-              <a:rPr lang="en-US" sz="2800" dirty="0" smtClean="0">
-                <a:solidFill>
-                  <a:schemeClr val="tx1"/>
-                </a:solidFill>
-                <a:latin typeface="Times New Roman" pitchFamily="18" charset="0"/>
-                <a:cs typeface="Times New Roman" pitchFamily="18" charset="0"/>
-              </a:rPr>
-              <a:t>Designing of the system is important part and it can be done in </a:t>
-            </a:r>
-            <a:r>
-              <a:rPr lang="en-US" sz="2800" dirty="0" smtClean="0">
-                <a:solidFill>
-                  <a:schemeClr val="tx1"/>
-                </a:solidFill>
-                <a:latin typeface="Times New Roman" pitchFamily="18" charset="0"/>
-                <a:cs typeface="Times New Roman" pitchFamily="18" charset="0"/>
-              </a:rPr>
-              <a:t>25-30</a:t>
-            </a:r>
-            <a:r>
-              <a:rPr lang="en-US" sz="2800" dirty="0" smtClean="0">
-                <a:solidFill>
-                  <a:schemeClr val="tx1"/>
-                </a:solidFill>
-                <a:latin typeface="Times New Roman" pitchFamily="18" charset="0"/>
-                <a:cs typeface="Times New Roman" pitchFamily="18" charset="0"/>
-              </a:rPr>
-              <a:t> </a:t>
-            </a:r>
-            <a:r>
-              <a:rPr lang="en-US" sz="2800" dirty="0" smtClean="0">
-                <a:solidFill>
-                  <a:schemeClr val="tx1"/>
-                </a:solidFill>
-                <a:latin typeface="Times New Roman" pitchFamily="18" charset="0"/>
-                <a:cs typeface="Times New Roman" pitchFamily="18" charset="0"/>
-              </a:rPr>
-              <a:t>days.</a:t>
+              <a:rPr lang="en-US" sz="2800" dirty="0">
+                <a:solidFill>
+                  <a:schemeClr val="tx1"/>
+                </a:solidFill>
+                <a:latin typeface="Times New Roman" pitchFamily="18" charset="0"/>
+                <a:cs typeface="Times New Roman" pitchFamily="18" charset="0"/>
+              </a:rPr>
+              <a:t>Designing of the system is important part and it can be done in 25-30 days.</a:t>
             </a:r>
           </a:p>
           <a:p>
             <a:pPr algn="just"/>
             <a:r>
-              <a:rPr lang="en-US" sz="2800" dirty="0" smtClean="0">
+              <a:rPr lang="en-US" sz="2800" dirty="0">
                 <a:solidFill>
                   <a:schemeClr val="tx1"/>
                 </a:solidFill>
@@ -5363,7 +5061,7 @@
               <a:t>Coding in this system may take </a:t>
             </a:r>
             <a:r>
-              <a:rPr lang="en-US" sz="2800" dirty="0" err="1" smtClean="0">
+              <a:rPr lang="en-US" sz="2800" dirty="0" err="1">
                 <a:solidFill>
                   <a:schemeClr val="tx1"/>
                 </a:solidFill>
@@ -5373,16 +5071,6 @@
               <a:t>upto</a:t>
             </a:r>
             <a:r>
-              <a:rPr lang="en-US" sz="2800" dirty="0" smtClean="0">
-                <a:solidFill>
-                  <a:schemeClr val="tx1"/>
-                </a:solidFill>
-                <a:latin typeface="Times New Roman" pitchFamily="18" charset="0"/>
-                <a:cs typeface="Times New Roman" pitchFamily="18" charset="0"/>
-              </a:rPr>
-              <a:t> </a:t>
-            </a:r>
-            <a:r>
               <a:rPr lang="en-US" sz="2800" dirty="0">
                 <a:solidFill>
                   <a:schemeClr val="tx1"/>
@@ -5390,146 +5078,46 @@
                 <a:latin typeface="Times New Roman" pitchFamily="18" charset="0"/>
                 <a:cs typeface="Times New Roman" pitchFamily="18" charset="0"/>
               </a:rPr>
-              <a:t>6</a:t>
-            </a:r>
-            <a:r>
-              <a:rPr lang="en-US" sz="2800" dirty="0" smtClean="0">
-                <a:solidFill>
-                  <a:schemeClr val="tx1"/>
-                </a:solidFill>
-                <a:latin typeface="Times New Roman" pitchFamily="18" charset="0"/>
-                <a:cs typeface="Times New Roman" pitchFamily="18" charset="0"/>
-              </a:rPr>
-              <a:t>0</a:t>
-            </a:r>
-            <a:r>
-              <a:rPr lang="en-US" sz="2800" dirty="0" smtClean="0">
-                <a:solidFill>
-                  <a:schemeClr val="tx1"/>
-                </a:solidFill>
-                <a:latin typeface="Times New Roman" pitchFamily="18" charset="0"/>
-                <a:cs typeface="Times New Roman" pitchFamily="18" charset="0"/>
-              </a:rPr>
-              <a:t> </a:t>
-            </a:r>
-            <a:r>
-              <a:rPr lang="en-US" sz="2800" dirty="0" smtClean="0">
-                <a:solidFill>
-                  <a:schemeClr val="tx1"/>
-                </a:solidFill>
-                <a:latin typeface="Times New Roman" pitchFamily="18" charset="0"/>
-                <a:cs typeface="Times New Roman" pitchFamily="18" charset="0"/>
-              </a:rPr>
-              <a:t>days.</a:t>
+              <a:t> 60 days.</a:t>
             </a:r>
           </a:p>
           <a:p>
             <a:pPr algn="just"/>
             <a:r>
-              <a:rPr lang="en-US" sz="2800" dirty="0" smtClean="0">
-                <a:solidFill>
-                  <a:schemeClr val="tx1"/>
-                </a:solidFill>
-                <a:latin typeface="Times New Roman" pitchFamily="18" charset="0"/>
-                <a:cs typeface="Times New Roman" pitchFamily="18" charset="0"/>
-              </a:rPr>
-              <a:t>Circuitry of the system can be done in </a:t>
-            </a:r>
-            <a:r>
-              <a:rPr lang="en-US" sz="2800" dirty="0" smtClean="0">
-                <a:solidFill>
-                  <a:schemeClr val="tx1"/>
-                </a:solidFill>
-                <a:latin typeface="Times New Roman" pitchFamily="18" charset="0"/>
-                <a:cs typeface="Times New Roman" pitchFamily="18" charset="0"/>
-              </a:rPr>
-              <a:t>10-15 </a:t>
-            </a:r>
-            <a:r>
-              <a:rPr lang="en-US" sz="2800" dirty="0" smtClean="0">
-                <a:solidFill>
-                  <a:schemeClr val="tx1"/>
-                </a:solidFill>
-                <a:latin typeface="Times New Roman" pitchFamily="18" charset="0"/>
-                <a:cs typeface="Times New Roman" pitchFamily="18" charset="0"/>
-              </a:rPr>
-              <a:t>days.</a:t>
+              <a:rPr lang="en-US" sz="2800" dirty="0">
+                <a:solidFill>
+                  <a:schemeClr val="tx1"/>
+                </a:solidFill>
+                <a:latin typeface="Times New Roman" pitchFamily="18" charset="0"/>
+                <a:cs typeface="Times New Roman" pitchFamily="18" charset="0"/>
+              </a:rPr>
+              <a:t>Circuitry of the system can be done in 10-15 days.</a:t>
             </a:r>
           </a:p>
           <a:p>
             <a:pPr algn="just"/>
             <a:r>
-              <a:rPr lang="en-US" sz="2800" dirty="0" smtClean="0">
-                <a:solidFill>
-                  <a:schemeClr val="tx1"/>
-                </a:solidFill>
-                <a:latin typeface="Times New Roman" pitchFamily="18" charset="0"/>
-                <a:cs typeface="Times New Roman" pitchFamily="18" charset="0"/>
-              </a:rPr>
-              <a:t>Testing will be done within the </a:t>
-            </a:r>
-            <a:r>
-              <a:rPr lang="en-US" sz="2800" dirty="0" smtClean="0">
-                <a:solidFill>
-                  <a:schemeClr val="tx1"/>
-                </a:solidFill>
-                <a:latin typeface="Times New Roman" pitchFamily="18" charset="0"/>
-                <a:cs typeface="Times New Roman" pitchFamily="18" charset="0"/>
-              </a:rPr>
-              <a:t>10 </a:t>
-            </a:r>
-            <a:r>
-              <a:rPr lang="en-US" sz="2800" dirty="0" smtClean="0">
-                <a:solidFill>
-                  <a:schemeClr val="tx1"/>
-                </a:solidFill>
-                <a:latin typeface="Times New Roman" pitchFamily="18" charset="0"/>
-                <a:cs typeface="Times New Roman" pitchFamily="18" charset="0"/>
-              </a:rPr>
-              <a:t>days</a:t>
-            </a:r>
-            <a:r>
-              <a:rPr lang="en-US" sz="2800" dirty="0" smtClean="0">
-                <a:solidFill>
-                  <a:schemeClr val="tx1"/>
-                </a:solidFill>
-                <a:latin typeface="Times New Roman" pitchFamily="18" charset="0"/>
-                <a:cs typeface="Times New Roman" pitchFamily="18" charset="0"/>
-              </a:rPr>
-              <a:t>.</a:t>
+              <a:rPr lang="en-US" sz="2800" dirty="0">
+                <a:solidFill>
+                  <a:schemeClr val="tx1"/>
+                </a:solidFill>
+                <a:latin typeface="Times New Roman" pitchFamily="18" charset="0"/>
+                <a:cs typeface="Times New Roman" pitchFamily="18" charset="0"/>
+              </a:rPr>
+              <a:t>Testing will be done within the 10 days.</a:t>
             </a:r>
           </a:p>
           <a:p>
             <a:pPr algn="just"/>
             <a:r>
-              <a:rPr lang="en-US" sz="2800" dirty="0" smtClean="0">
-                <a:solidFill>
-                  <a:schemeClr val="tx1"/>
-                </a:solidFill>
-                <a:latin typeface="Times New Roman" pitchFamily="18" charset="0"/>
-                <a:cs typeface="Times New Roman" pitchFamily="18" charset="0"/>
-              </a:rPr>
-              <a:t>By considering all factors maximum </a:t>
-            </a:r>
-            <a:r>
-              <a:rPr lang="en-US" sz="2800" dirty="0" smtClean="0">
-                <a:solidFill>
-                  <a:schemeClr val="tx1"/>
-                </a:solidFill>
-                <a:latin typeface="Times New Roman" pitchFamily="18" charset="0"/>
-                <a:cs typeface="Times New Roman" pitchFamily="18" charset="0"/>
-              </a:rPr>
-              <a:t>6 </a:t>
-            </a:r>
-            <a:r>
-              <a:rPr lang="en-US" sz="2800" dirty="0" smtClean="0">
-                <a:solidFill>
-                  <a:schemeClr val="tx1"/>
-                </a:solidFill>
-                <a:latin typeface="Times New Roman" pitchFamily="18" charset="0"/>
-                <a:cs typeface="Times New Roman" pitchFamily="18" charset="0"/>
-              </a:rPr>
-              <a:t>months  will be require to implement this system.</a:t>
+              <a:rPr lang="en-US" sz="2800" dirty="0">
+                <a:solidFill>
+                  <a:schemeClr val="tx1"/>
+                </a:solidFill>
+                <a:latin typeface="Times New Roman" pitchFamily="18" charset="0"/>
+                <a:cs typeface="Times New Roman" pitchFamily="18" charset="0"/>
+              </a:rPr>
+              <a:t>By considering all factors maximum 6 months  will be require to implement this system.</a:t>
             </a:r>
           </a:p>
         </p:txBody>
@@ -5539,13 +5127,6 @@
   <p:clrMapOvr>
     <a:masterClrMapping/>
   </p:clrMapOvr>
-  <p:timing>
-    <p:tnLst>
-      <p:par>
-        <p:cTn id="1" dur="indefinite" restart="never" nodeType="tmRoot"/>
-      </p:par>
-    </p:tnLst>
-  </p:timing>
 </p:sld>
 </file>
 
